--- a/lecture-materials/Security/aws_single_sign-on/aws_sso.pptx
+++ b/lecture-materials/Security/aws_single_sign-on/aws_sso.pptx
@@ -266,7 +266,7 @@
           <a:p>
             <a:fld id="{322C9020-58D6-4B4B-AE71-CBBD8D6FD410}" type="datetimeFigureOut">
               <a:rPr lang="en-CH" smtClean="0"/>
-              <a:t>03.09.23</a:t>
+              <a:t>12.02.2024</a:t>
             </a:fld>
             <a:endParaRPr lang="en-CH"/>
           </a:p>
@@ -466,7 +466,7 @@
           <a:p>
             <a:fld id="{322C9020-58D6-4B4B-AE71-CBBD8D6FD410}" type="datetimeFigureOut">
               <a:rPr lang="en-CH" smtClean="0"/>
-              <a:t>03.09.23</a:t>
+              <a:t>12.02.2024</a:t>
             </a:fld>
             <a:endParaRPr lang="en-CH"/>
           </a:p>
@@ -676,7 +676,7 @@
           <a:p>
             <a:fld id="{322C9020-58D6-4B4B-AE71-CBBD8D6FD410}" type="datetimeFigureOut">
               <a:rPr lang="en-CH" smtClean="0"/>
-              <a:t>03.09.23</a:t>
+              <a:t>12.02.2024</a:t>
             </a:fld>
             <a:endParaRPr lang="en-CH"/>
           </a:p>
@@ -876,7 +876,7 @@
           <a:p>
             <a:fld id="{322C9020-58D6-4B4B-AE71-CBBD8D6FD410}" type="datetimeFigureOut">
               <a:rPr lang="en-CH" smtClean="0"/>
-              <a:t>03.09.23</a:t>
+              <a:t>12.02.2024</a:t>
             </a:fld>
             <a:endParaRPr lang="en-CH"/>
           </a:p>
@@ -1152,7 +1152,7 @@
           <a:p>
             <a:fld id="{322C9020-58D6-4B4B-AE71-CBBD8D6FD410}" type="datetimeFigureOut">
               <a:rPr lang="en-CH" smtClean="0"/>
-              <a:t>03.09.23</a:t>
+              <a:t>12.02.2024</a:t>
             </a:fld>
             <a:endParaRPr lang="en-CH"/>
           </a:p>
@@ -1420,7 +1420,7 @@
           <a:p>
             <a:fld id="{322C9020-58D6-4B4B-AE71-CBBD8D6FD410}" type="datetimeFigureOut">
               <a:rPr lang="en-CH" smtClean="0"/>
-              <a:t>03.09.23</a:t>
+              <a:t>12.02.2024</a:t>
             </a:fld>
             <a:endParaRPr lang="en-CH"/>
           </a:p>
@@ -1835,7 +1835,7 @@
           <a:p>
             <a:fld id="{322C9020-58D6-4B4B-AE71-CBBD8D6FD410}" type="datetimeFigureOut">
               <a:rPr lang="en-CH" smtClean="0"/>
-              <a:t>03.09.23</a:t>
+              <a:t>12.02.2024</a:t>
             </a:fld>
             <a:endParaRPr lang="en-CH"/>
           </a:p>
@@ -1977,7 +1977,7 @@
           <a:p>
             <a:fld id="{322C9020-58D6-4B4B-AE71-CBBD8D6FD410}" type="datetimeFigureOut">
               <a:rPr lang="en-CH" smtClean="0"/>
-              <a:t>03.09.23</a:t>
+              <a:t>12.02.2024</a:t>
             </a:fld>
             <a:endParaRPr lang="en-CH"/>
           </a:p>
@@ -2090,7 +2090,7 @@
           <a:p>
             <a:fld id="{322C9020-58D6-4B4B-AE71-CBBD8D6FD410}" type="datetimeFigureOut">
               <a:rPr lang="en-CH" smtClean="0"/>
-              <a:t>03.09.23</a:t>
+              <a:t>12.02.2024</a:t>
             </a:fld>
             <a:endParaRPr lang="en-CH"/>
           </a:p>
@@ -2403,7 +2403,7 @@
           <a:p>
             <a:fld id="{322C9020-58D6-4B4B-AE71-CBBD8D6FD410}" type="datetimeFigureOut">
               <a:rPr lang="en-CH" smtClean="0"/>
-              <a:t>03.09.23</a:t>
+              <a:t>12.02.2024</a:t>
             </a:fld>
             <a:endParaRPr lang="en-CH"/>
           </a:p>
@@ -2692,7 +2692,7 @@
           <a:p>
             <a:fld id="{322C9020-58D6-4B4B-AE71-CBBD8D6FD410}" type="datetimeFigureOut">
               <a:rPr lang="en-CH" smtClean="0"/>
-              <a:t>03.09.23</a:t>
+              <a:t>12.02.2024</a:t>
             </a:fld>
             <a:endParaRPr lang="en-CH"/>
           </a:p>
@@ -2935,7 +2935,7 @@
           <a:p>
             <a:fld id="{322C9020-58D6-4B4B-AE71-CBBD8D6FD410}" type="datetimeFigureOut">
               <a:rPr lang="en-CH" smtClean="0"/>
-              <a:t>03.09.23</a:t>
+              <a:t>12.02.2024</a:t>
             </a:fld>
             <a:endParaRPr lang="en-CH"/>
           </a:p>
@@ -3394,7 +3394,19 @@
                 <a:effectLst/>
                 <a:latin typeface="AmazonEmberBold"/>
               </a:rPr>
-              <a:t> (Successor to AWS Single Sign-On)</a:t>
+              <a:t> </a:t>
+            </a:r>
+            <a:br>
+              <a:rPr lang="en-GB" sz="4800" dirty="0">
+                <a:latin typeface="AmazonEmberBold"/>
+              </a:rPr>
+            </a:br>
+            <a:r>
+              <a:rPr lang="en-GB" sz="4800" b="0" i="0" dirty="0">
+                <a:effectLst/>
+                <a:latin typeface="AmazonEmberBold"/>
+              </a:rPr>
+              <a:t>(Successor to AWS Single Sign-On)</a:t>
             </a:r>
             <a:endParaRPr lang="en-CH" sz="4800" dirty="0"/>
           </a:p>
